--- a/Group2_ASP_PPT_Slide.pptx
+++ b/Group2_ASP_PPT_Slide.pptx
@@ -7,6 +7,9 @@
   <p:sldIdLst>
     <p:sldId id="256" r:id="rId2"/>
     <p:sldId id="257" r:id="rId3"/>
+    <p:sldId id="258" r:id="rId4"/>
+    <p:sldId id="260" r:id="rId5"/>
+    <p:sldId id="259" r:id="rId6"/>
   </p:sldIdLst>
   <p:sldSz cx="12192000" cy="6858000"/>
   <p:notesSz cx="6858000" cy="9144000"/>
@@ -106,6 +109,19 @@
     </a:lvl9pPr>
   </p:defaultTextStyle>
   <p:extLst>
+    <p:ext uri="{521415D9-36F7-43E2-AB2F-B90AF26B5E84}">
+      <p14:sectionLst xmlns:p14="http://schemas.microsoft.com/office/powerpoint/2010/main">
+        <p14:section name="Default Section" id="{B9DFEE73-64D4-427A-AE16-525883A676E4}">
+          <p14:sldIdLst>
+            <p14:sldId id="256"/>
+            <p14:sldId id="257"/>
+            <p14:sldId id="258"/>
+            <p14:sldId id="260"/>
+            <p14:sldId id="259"/>
+          </p14:sldIdLst>
+        </p14:section>
+      </p14:sectionLst>
+    </p:ext>
     <p:ext uri="{EFAFB233-063F-42B5-8137-9DF3F51BA10A}">
       <p15:sldGuideLst xmlns:p15="http://schemas.microsoft.com/office/powerpoint/2012/main"/>
     </p:ext>
@@ -3751,41 +3767,459 @@
           <a:p>
             <a:r>
               <a:rPr lang="en-US" dirty="0"/>
-              <a:t>Task</a:t>
+              <a:t>Tasking for each member</a:t>
             </a:r>
             <a:endParaRPr lang="en-SG" dirty="0"/>
           </a:p>
         </p:txBody>
       </p:sp>
-      <p:sp>
-        <p:nvSpPr>
-          <p:cNvPr id="3" name="Content Placeholder 2">
+      <p:graphicFrame>
+        <p:nvGraphicFramePr>
+          <p:cNvPr id="4" name="Table 4">
             <a:extLst>
               <a:ext uri="{FF2B5EF4-FFF2-40B4-BE49-F238E27FC236}">
-                <a16:creationId xmlns:a16="http://schemas.microsoft.com/office/drawing/2014/main" id="{AAB1ED62-AB2C-4916-847F-78A084EB950D}"/>
+                <a16:creationId xmlns:a16="http://schemas.microsoft.com/office/drawing/2014/main" id="{4F551842-A532-4984-AC06-6A1B0661F704}"/>
               </a:ext>
             </a:extLst>
           </p:cNvPr>
-          <p:cNvSpPr>
-            <a:spLocks noGrp="1"/>
-          </p:cNvSpPr>
+          <p:cNvGraphicFramePr>
+            <a:graphicFrameLocks noGrp="1"/>
+          </p:cNvGraphicFramePr>
           <p:nvPr>
             <p:ph idx="1"/>
-          </p:nvPr>
-        </p:nvSpPr>
-        <p:spPr/>
-        <p:txBody>
-          <a:bodyPr/>
-          <a:lstStyle/>
-          <a:p>
-            <a:endParaRPr lang="en-SG"/>
-          </a:p>
-        </p:txBody>
-      </p:sp>
+            <p:extLst>
+              <p:ext uri="{D42A27DB-BD31-4B8C-83A1-F6EECF244321}">
+                <p14:modId xmlns:p14="http://schemas.microsoft.com/office/powerpoint/2010/main" val="3009670459"/>
+              </p:ext>
+            </p:extLst>
+          </p:nvPr>
+        </p:nvGraphicFramePr>
+        <p:xfrm>
+          <a:off x="1450974" y="2016125"/>
+          <a:ext cx="9473700" cy="2265390"/>
+        </p:xfrm>
+        <a:graphic>
+          <a:graphicData uri="http://schemas.openxmlformats.org/drawingml/2006/table">
+            <a:tbl>
+              <a:tblPr firstRow="1" bandRow="1">
+                <a:tableStyleId>{5C22544A-7EE6-4342-B048-85BDC9FD1C3A}</a:tableStyleId>
+              </a:tblPr>
+              <a:tblGrid>
+                <a:gridCol w="4736850">
+                  <a:extLst>
+                    <a:ext uri="{9D8B030D-6E8A-4147-A177-3AD203B41FA5}">
+                      <a16:colId xmlns:a16="http://schemas.microsoft.com/office/drawing/2014/main" val="3689012104"/>
+                    </a:ext>
+                  </a:extLst>
+                </a:gridCol>
+                <a:gridCol w="4736850">
+                  <a:extLst>
+                    <a:ext uri="{9D8B030D-6E8A-4147-A177-3AD203B41FA5}">
+                      <a16:colId xmlns:a16="http://schemas.microsoft.com/office/drawing/2014/main" val="230678990"/>
+                    </a:ext>
+                  </a:extLst>
+                </a:gridCol>
+              </a:tblGrid>
+              <a:tr h="675495">
+                <a:tc>
+                  <a:txBody>
+                    <a:bodyPr/>
+                    <a:lstStyle/>
+                    <a:p>
+                      <a:r>
+                        <a:rPr lang="en-US" dirty="0"/>
+                        <a:t>Members</a:t>
+                      </a:r>
+                      <a:endParaRPr lang="en-SG" dirty="0"/>
+                    </a:p>
+                  </a:txBody>
+                  <a:tcPr/>
+                </a:tc>
+                <a:tc>
+                  <a:txBody>
+                    <a:bodyPr/>
+                    <a:lstStyle/>
+                    <a:p>
+                      <a:r>
+                        <a:rPr lang="en-US" dirty="0"/>
+                        <a:t>Tasking</a:t>
+                      </a:r>
+                      <a:endParaRPr lang="en-SG" dirty="0"/>
+                    </a:p>
+                  </a:txBody>
+                  <a:tcPr/>
+                </a:tc>
+                <a:extLst>
+                  <a:ext uri="{0D108BD9-81ED-4DB2-BD59-A6C34878D82A}">
+                    <a16:rowId xmlns:a16="http://schemas.microsoft.com/office/drawing/2014/main" val="1313527290"/>
+                  </a:ext>
+                </a:extLst>
+              </a:tr>
+              <a:tr h="675495">
+                <a:tc>
+                  <a:txBody>
+                    <a:bodyPr/>
+                    <a:lstStyle/>
+                    <a:p>
+                      <a:r>
+                        <a:rPr lang="en-US" dirty="0" err="1"/>
+                        <a:t>Yuheng</a:t>
+                      </a:r>
+                      <a:endParaRPr lang="en-SG" dirty="0"/>
+                    </a:p>
+                  </a:txBody>
+                  <a:tcPr/>
+                </a:tc>
+                <a:tc>
+                  <a:txBody>
+                    <a:bodyPr/>
+                    <a:lstStyle/>
+                    <a:p>
+                      <a:pPr marL="0" marR="0" lvl="0" indent="0" algn="l" defTabSz="914400" rtl="0" eaLnBrk="1" fontAlgn="auto" latinLnBrk="0" hangingPunct="1">
+                        <a:lnSpc>
+                          <a:spcPct val="100000"/>
+                        </a:lnSpc>
+                        <a:spcBef>
+                          <a:spcPts val="0"/>
+                        </a:spcBef>
+                        <a:spcAft>
+                          <a:spcPts val="0"/>
+                        </a:spcAft>
+                        <a:buClrTx/>
+                        <a:buSzTx/>
+                        <a:buFontTx/>
+                        <a:buNone/>
+                        <a:tabLst/>
+                        <a:defRPr/>
+                      </a:pPr>
+                      <a:r>
+                        <a:rPr lang="en-US" dirty="0"/>
+                        <a:t>-Top 3 Country Bar Graph</a:t>
+                      </a:r>
+                    </a:p>
+                    <a:p>
+                      <a:r>
+                        <a:rPr lang="en-US" dirty="0"/>
+                        <a:t>-Unit test</a:t>
+                      </a:r>
+                    </a:p>
+                    <a:p>
+                      <a:r>
+                        <a:rPr lang="en-US" dirty="0"/>
+                        <a:t>-Code Explanation</a:t>
+                      </a:r>
+                      <a:endParaRPr lang="en-SG" dirty="0"/>
+                    </a:p>
+                  </a:txBody>
+                  <a:tcPr/>
+                </a:tc>
+                <a:extLst>
+                  <a:ext uri="{0D108BD9-81ED-4DB2-BD59-A6C34878D82A}">
+                    <a16:rowId xmlns:a16="http://schemas.microsoft.com/office/drawing/2014/main" val="3332859032"/>
+                  </a:ext>
+                </a:extLst>
+              </a:tr>
+              <a:tr h="675495">
+                <a:tc>
+                  <a:txBody>
+                    <a:bodyPr/>
+                    <a:lstStyle/>
+                    <a:p>
+                      <a:r>
+                        <a:rPr lang="en-US" dirty="0"/>
+                        <a:t>Lionel</a:t>
+                      </a:r>
+                      <a:endParaRPr lang="en-SG" dirty="0"/>
+                    </a:p>
+                  </a:txBody>
+                  <a:tcPr/>
+                </a:tc>
+                <a:tc>
+                  <a:txBody>
+                    <a:bodyPr/>
+                    <a:lstStyle/>
+                    <a:p>
+                      <a:r>
+                        <a:rPr lang="en-US" dirty="0"/>
+                        <a:t>-All Countries Bar Graph</a:t>
+                      </a:r>
+                    </a:p>
+                    <a:p>
+                      <a:r>
+                        <a:rPr lang="en-US" dirty="0"/>
+                        <a:t>-Screenshots of finished project</a:t>
+                      </a:r>
+                      <a:endParaRPr lang="en-SG" dirty="0"/>
+                    </a:p>
+                  </a:txBody>
+                  <a:tcPr/>
+                </a:tc>
+                <a:extLst>
+                  <a:ext uri="{0D108BD9-81ED-4DB2-BD59-A6C34878D82A}">
+                    <a16:rowId xmlns:a16="http://schemas.microsoft.com/office/drawing/2014/main" val="281783486"/>
+                  </a:ext>
+                </a:extLst>
+              </a:tr>
+            </a:tbl>
+          </a:graphicData>
+        </a:graphic>
+      </p:graphicFrame>
     </p:spTree>
     <p:extLst>
       <p:ext uri="{BB962C8B-B14F-4D97-AF65-F5344CB8AC3E}">
         <p14:creationId xmlns:p14="http://schemas.microsoft.com/office/powerpoint/2010/main" val="136366854"/>
+      </p:ext>
+    </p:extLst>
+  </p:cSld>
+  <p:clrMapOvr>
+    <a:masterClrMapping/>
+  </p:clrMapOvr>
+</p:sld>
+</file>
+
+<file path=ppt/slides/slide3.xml><?xml version="1.0" encoding="utf-8"?>
+<p:sld xmlns:a="http://schemas.openxmlformats.org/drawingml/2006/main" xmlns:r="http://schemas.openxmlformats.org/officeDocument/2006/relationships" xmlns:p="http://schemas.openxmlformats.org/presentationml/2006/main">
+  <p:cSld>
+    <p:spTree>
+      <p:nvGrpSpPr>
+        <p:cNvPr id="1" name=""/>
+        <p:cNvGrpSpPr/>
+        <p:nvPr/>
+      </p:nvGrpSpPr>
+      <p:grpSpPr>
+        <a:xfrm>
+          <a:off x="0" y="0"/>
+          <a:ext cx="0" cy="0"/>
+          <a:chOff x="0" y="0"/>
+          <a:chExt cx="0" cy="0"/>
+        </a:xfrm>
+      </p:grpSpPr>
+      <p:sp>
+        <p:nvSpPr>
+          <p:cNvPr id="2" name="Title 1">
+            <a:extLst>
+              <a:ext uri="{FF2B5EF4-FFF2-40B4-BE49-F238E27FC236}">
+                <a16:creationId xmlns:a16="http://schemas.microsoft.com/office/drawing/2014/main" id="{7510F1E2-BC66-436E-812D-CDBFB2D06013}"/>
+              </a:ext>
+            </a:extLst>
+          </p:cNvPr>
+          <p:cNvSpPr>
+            <a:spLocks noGrp="1"/>
+          </p:cNvSpPr>
+          <p:nvPr>
+            <p:ph type="title"/>
+          </p:nvPr>
+        </p:nvSpPr>
+        <p:spPr/>
+        <p:txBody>
+          <a:bodyPr/>
+          <a:lstStyle/>
+          <a:p>
+            <a:r>
+              <a:rPr lang="en-US" dirty="0"/>
+              <a:t>Results: all Country and top 3</a:t>
+            </a:r>
+            <a:endParaRPr lang="en-SG" dirty="0"/>
+          </a:p>
+        </p:txBody>
+      </p:sp>
+      <p:sp>
+        <p:nvSpPr>
+          <p:cNvPr id="3" name="Content Placeholder 2">
+            <a:extLst>
+              <a:ext uri="{FF2B5EF4-FFF2-40B4-BE49-F238E27FC236}">
+                <a16:creationId xmlns:a16="http://schemas.microsoft.com/office/drawing/2014/main" id="{8426370C-8CF0-4D0A-AB4E-A666393D3D2A}"/>
+              </a:ext>
+            </a:extLst>
+          </p:cNvPr>
+          <p:cNvSpPr>
+            <a:spLocks noGrp="1"/>
+          </p:cNvSpPr>
+          <p:nvPr>
+            <p:ph idx="1"/>
+          </p:nvPr>
+        </p:nvSpPr>
+        <p:spPr/>
+        <p:txBody>
+          <a:bodyPr/>
+          <a:lstStyle/>
+          <a:p>
+            <a:endParaRPr lang="en-SG"/>
+          </a:p>
+        </p:txBody>
+      </p:sp>
+    </p:spTree>
+    <p:extLst>
+      <p:ext uri="{BB962C8B-B14F-4D97-AF65-F5344CB8AC3E}">
+        <p14:creationId xmlns:p14="http://schemas.microsoft.com/office/powerpoint/2010/main" val="3258591602"/>
+      </p:ext>
+    </p:extLst>
+  </p:cSld>
+  <p:clrMapOvr>
+    <a:masterClrMapping/>
+  </p:clrMapOvr>
+</p:sld>
+</file>
+
+<file path=ppt/slides/slide4.xml><?xml version="1.0" encoding="utf-8"?>
+<p:sld xmlns:a="http://schemas.openxmlformats.org/drawingml/2006/main" xmlns:r="http://schemas.openxmlformats.org/officeDocument/2006/relationships" xmlns:p="http://schemas.openxmlformats.org/presentationml/2006/main">
+  <p:cSld>
+    <p:spTree>
+      <p:nvGrpSpPr>
+        <p:cNvPr id="1" name=""/>
+        <p:cNvGrpSpPr/>
+        <p:nvPr/>
+      </p:nvGrpSpPr>
+      <p:grpSpPr>
+        <a:xfrm>
+          <a:off x="0" y="0"/>
+          <a:ext cx="0" cy="0"/>
+          <a:chOff x="0" y="0"/>
+          <a:chExt cx="0" cy="0"/>
+        </a:xfrm>
+      </p:grpSpPr>
+      <p:sp>
+        <p:nvSpPr>
+          <p:cNvPr id="2" name="Title 1">
+            <a:extLst>
+              <a:ext uri="{FF2B5EF4-FFF2-40B4-BE49-F238E27FC236}">
+                <a16:creationId xmlns:a16="http://schemas.microsoft.com/office/drawing/2014/main" id="{25A8C7ED-4C5E-41A7-ACD4-4CA8D8AC57BF}"/>
+              </a:ext>
+            </a:extLst>
+          </p:cNvPr>
+          <p:cNvSpPr>
+            <a:spLocks noGrp="1"/>
+          </p:cNvSpPr>
+          <p:nvPr>
+            <p:ph type="title"/>
+          </p:nvPr>
+        </p:nvSpPr>
+        <p:spPr/>
+        <p:txBody>
+          <a:bodyPr/>
+          <a:lstStyle/>
+          <a:p>
+            <a:r>
+              <a:rPr lang="en-US" dirty="0"/>
+              <a:t>Results: Total And Mean</a:t>
+            </a:r>
+            <a:endParaRPr lang="en-SG" dirty="0"/>
+          </a:p>
+        </p:txBody>
+      </p:sp>
+      <p:sp>
+        <p:nvSpPr>
+          <p:cNvPr id="3" name="Content Placeholder 2">
+            <a:extLst>
+              <a:ext uri="{FF2B5EF4-FFF2-40B4-BE49-F238E27FC236}">
+                <a16:creationId xmlns:a16="http://schemas.microsoft.com/office/drawing/2014/main" id="{C46CE2CE-08E5-431A-88F9-A8935DCBB412}"/>
+              </a:ext>
+            </a:extLst>
+          </p:cNvPr>
+          <p:cNvSpPr>
+            <a:spLocks noGrp="1"/>
+          </p:cNvSpPr>
+          <p:nvPr>
+            <p:ph idx="1"/>
+          </p:nvPr>
+        </p:nvSpPr>
+        <p:spPr/>
+        <p:txBody>
+          <a:bodyPr/>
+          <a:lstStyle/>
+          <a:p>
+            <a:endParaRPr lang="en-SG"/>
+          </a:p>
+        </p:txBody>
+      </p:sp>
+    </p:spTree>
+    <p:extLst>
+      <p:ext uri="{BB962C8B-B14F-4D97-AF65-F5344CB8AC3E}">
+        <p14:creationId xmlns:p14="http://schemas.microsoft.com/office/powerpoint/2010/main" val="2667873062"/>
+      </p:ext>
+    </p:extLst>
+  </p:cSld>
+  <p:clrMapOvr>
+    <a:masterClrMapping/>
+  </p:clrMapOvr>
+</p:sld>
+</file>
+
+<file path=ppt/slides/slide5.xml><?xml version="1.0" encoding="utf-8"?>
+<p:sld xmlns:a="http://schemas.openxmlformats.org/drawingml/2006/main" xmlns:r="http://schemas.openxmlformats.org/officeDocument/2006/relationships" xmlns:p="http://schemas.openxmlformats.org/presentationml/2006/main">
+  <p:cSld>
+    <p:spTree>
+      <p:nvGrpSpPr>
+        <p:cNvPr id="1" name=""/>
+        <p:cNvGrpSpPr/>
+        <p:nvPr/>
+      </p:nvGrpSpPr>
+      <p:grpSpPr>
+        <a:xfrm>
+          <a:off x="0" y="0"/>
+          <a:ext cx="0" cy="0"/>
+          <a:chOff x="0" y="0"/>
+          <a:chExt cx="0" cy="0"/>
+        </a:xfrm>
+      </p:grpSpPr>
+      <p:sp>
+        <p:nvSpPr>
+          <p:cNvPr id="2" name="Title 1">
+            <a:extLst>
+              <a:ext uri="{FF2B5EF4-FFF2-40B4-BE49-F238E27FC236}">
+                <a16:creationId xmlns:a16="http://schemas.microsoft.com/office/drawing/2014/main" id="{5F5A370B-CF01-4BF6-A0B7-5AE4658EE3E1}"/>
+              </a:ext>
+            </a:extLst>
+          </p:cNvPr>
+          <p:cNvSpPr>
+            <a:spLocks noGrp="1"/>
+          </p:cNvSpPr>
+          <p:nvPr>
+            <p:ph type="title"/>
+          </p:nvPr>
+        </p:nvSpPr>
+        <p:spPr/>
+        <p:txBody>
+          <a:bodyPr/>
+          <a:lstStyle/>
+          <a:p>
+            <a:r>
+              <a:rPr lang="en-US" dirty="0" err="1"/>
+              <a:t>Bargraph</a:t>
+            </a:r>
+            <a:endParaRPr lang="en-SG" dirty="0"/>
+          </a:p>
+        </p:txBody>
+      </p:sp>
+      <p:sp>
+        <p:nvSpPr>
+          <p:cNvPr id="3" name="Content Placeholder 2">
+            <a:extLst>
+              <a:ext uri="{FF2B5EF4-FFF2-40B4-BE49-F238E27FC236}">
+                <a16:creationId xmlns:a16="http://schemas.microsoft.com/office/drawing/2014/main" id="{71A9C2F5-EF19-4837-BCA6-156C3340D889}"/>
+              </a:ext>
+            </a:extLst>
+          </p:cNvPr>
+          <p:cNvSpPr>
+            <a:spLocks noGrp="1"/>
+          </p:cNvSpPr>
+          <p:nvPr>
+            <p:ph idx="1"/>
+          </p:nvPr>
+        </p:nvSpPr>
+        <p:spPr/>
+        <p:txBody>
+          <a:bodyPr/>
+          <a:lstStyle/>
+          <a:p>
+            <a:endParaRPr lang="en-SG"/>
+          </a:p>
+        </p:txBody>
+      </p:sp>
+    </p:spTree>
+    <p:extLst>
+      <p:ext uri="{BB962C8B-B14F-4D97-AF65-F5344CB8AC3E}">
+        <p14:creationId xmlns:p14="http://schemas.microsoft.com/office/powerpoint/2010/main" val="2560786556"/>
       </p:ext>
     </p:extLst>
   </p:cSld>
